--- a/documents/Twitter US Airline Sentiment Analysis PP.pptx
+++ b/documents/Twitter US Airline Sentiment Analysis PP.pptx
@@ -11,6 +11,8 @@
     <p:sldId id="259" r:id="rId5"/>
     <p:sldId id="260" r:id="rId6"/>
     <p:sldId id="261" r:id="rId7"/>
+    <p:sldId id="262" r:id="rId8"/>
+    <p:sldId id="263" r:id="rId9"/>
   </p:sldIdLst>
   <p:sldSz cx="9144000" cy="6858000" type="screen4x3"/>
   <p:notesSz cx="6858000" cy="9144000"/>
@@ -580,7 +582,7 @@
           <a:p>
             <a:fld id="{0C829F51-ABCB-4C1C-8840-7BF01540A097}" type="datetimeFigureOut">
               <a:rPr lang="en-US" smtClean="0"/>
-              <a:t>5/13/2020</a:t>
+              <a:t>5/14/2020</a:t>
             </a:fld>
             <a:endParaRPr lang="en-US"/>
           </a:p>
@@ -745,7 +747,7 @@
           <a:p>
             <a:fld id="{0C829F51-ABCB-4C1C-8840-7BF01540A097}" type="datetimeFigureOut">
               <a:rPr lang="en-US" smtClean="0"/>
-              <a:t>5/13/2020</a:t>
+              <a:t>5/14/2020</a:t>
             </a:fld>
             <a:endParaRPr lang="en-US"/>
           </a:p>
@@ -920,7 +922,7 @@
           <a:p>
             <a:fld id="{0C829F51-ABCB-4C1C-8840-7BF01540A097}" type="datetimeFigureOut">
               <a:rPr lang="en-US" smtClean="0"/>
-              <a:t>5/13/2020</a:t>
+              <a:t>5/14/2020</a:t>
             </a:fld>
             <a:endParaRPr lang="en-US"/>
           </a:p>
@@ -1085,7 +1087,7 @@
           <a:p>
             <a:fld id="{0C829F51-ABCB-4C1C-8840-7BF01540A097}" type="datetimeFigureOut">
               <a:rPr lang="en-US" smtClean="0"/>
-              <a:t>5/13/2020</a:t>
+              <a:t>5/14/2020</a:t>
             </a:fld>
             <a:endParaRPr lang="en-US"/>
           </a:p>
@@ -1638,7 +1640,7 @@
           <a:p>
             <a:fld id="{0C829F51-ABCB-4C1C-8840-7BF01540A097}" type="datetimeFigureOut">
               <a:rPr lang="en-US" smtClean="0"/>
-              <a:t>5/13/2020</a:t>
+              <a:t>5/14/2020</a:t>
             </a:fld>
             <a:endParaRPr lang="en-US"/>
           </a:p>
@@ -1898,7 +1900,7 @@
           <a:p>
             <a:fld id="{0C829F51-ABCB-4C1C-8840-7BF01540A097}" type="datetimeFigureOut">
               <a:rPr lang="en-US" smtClean="0"/>
-              <a:t>5/13/2020</a:t>
+              <a:t>5/14/2020</a:t>
             </a:fld>
             <a:endParaRPr lang="en-US"/>
           </a:p>
@@ -2386,7 +2388,7 @@
           <a:p>
             <a:fld id="{0C829F51-ABCB-4C1C-8840-7BF01540A097}" type="datetimeFigureOut">
               <a:rPr lang="en-US" smtClean="0"/>
-              <a:t>5/13/2020</a:t>
+              <a:t>5/14/2020</a:t>
             </a:fld>
             <a:endParaRPr lang="en-US"/>
           </a:p>
@@ -2499,7 +2501,7 @@
           <a:p>
             <a:fld id="{0C829F51-ABCB-4C1C-8840-7BF01540A097}" type="datetimeFigureOut">
               <a:rPr lang="en-US" smtClean="0"/>
-              <a:t>5/13/2020</a:t>
+              <a:t>5/14/2020</a:t>
             </a:fld>
             <a:endParaRPr lang="en-US"/>
           </a:p>
@@ -2589,7 +2591,7 @@
           <a:p>
             <a:fld id="{0C829F51-ABCB-4C1C-8840-7BF01540A097}" type="datetimeFigureOut">
               <a:rPr lang="en-US" smtClean="0"/>
-              <a:t>5/13/2020</a:t>
+              <a:t>5/14/2020</a:t>
             </a:fld>
             <a:endParaRPr lang="en-US"/>
           </a:p>
@@ -3019,7 +3021,7 @@
           <a:p>
             <a:fld id="{0C829F51-ABCB-4C1C-8840-7BF01540A097}" type="datetimeFigureOut">
               <a:rPr lang="en-US" smtClean="0"/>
-              <a:t>5/13/2020</a:t>
+              <a:t>5/14/2020</a:t>
             </a:fld>
             <a:endParaRPr lang="en-US"/>
           </a:p>
@@ -3552,7 +3554,7 @@
           <a:p>
             <a:fld id="{0C829F51-ABCB-4C1C-8840-7BF01540A097}" type="datetimeFigureOut">
               <a:rPr lang="en-US" smtClean="0"/>
-              <a:t>5/13/2020</a:t>
+              <a:t>5/14/2020</a:t>
             </a:fld>
             <a:endParaRPr lang="en-US"/>
           </a:p>
@@ -4392,7 +4394,7 @@
           <a:p>
             <a:fld id="{0C829F51-ABCB-4C1C-8840-7BF01540A097}" type="datetimeFigureOut">
               <a:rPr lang="en-US" smtClean="0"/>
-              <a:t>5/13/2020</a:t>
+              <a:t>5/14/2020</a:t>
             </a:fld>
             <a:endParaRPr lang="en-US"/>
           </a:p>
@@ -4891,7 +4893,7 @@
       </p:sp>
       <p:pic>
         <p:nvPicPr>
-          <p:cNvPr id="4" name="Content Placeholder 3"/>
+          <p:cNvPr id="7" name="Content Placeholder 6"/>
           <p:cNvPicPr>
             <a:picLocks noGrp="1" noChangeAspect="1"/>
           </p:cNvPicPr>
@@ -4900,7 +4902,7 @@
           </p:nvPr>
         </p:nvPicPr>
         <p:blipFill>
-          <a:blip r:embed="rId2">
+          <a:blip r:embed="rId2" cstate="print">
             <a:extLst>
               <a:ext uri="{28A0092B-C50C-407E-A947-70E740481C1C}">
                 <a14:useLocalDpi xmlns:a14="http://schemas.microsoft.com/office/drawing/2010/main" val="0"/>
@@ -4913,8 +4915,8 @@
         </p:blipFill>
         <p:spPr>
           <a:xfrm>
-            <a:off x="918337" y="1371600"/>
-            <a:ext cx="7151355" cy="4876800"/>
+            <a:off x="457200" y="1066800"/>
+            <a:ext cx="8115300" cy="5410200"/>
           </a:xfrm>
         </p:spPr>
       </p:pic>
@@ -4972,35 +4974,108 @@
           </a:p>
         </p:txBody>
       </p:sp>
-      <p:pic>
-        <p:nvPicPr>
-          <p:cNvPr id="4" name="Content Placeholder 3"/>
-          <p:cNvPicPr>
-            <a:picLocks noGrp="1" noChangeAspect="1"/>
-          </p:cNvPicPr>
-          <p:nvPr>
-            <p:ph idx="1"/>
-          </p:nvPr>
-        </p:nvPicPr>
-        <p:blipFill>
-          <a:blip r:embed="rId2">
-            <a:extLst>
-              <a:ext uri="{28A0092B-C50C-407E-A947-70E740481C1C}">
-                <a14:useLocalDpi xmlns:a14="http://schemas.microsoft.com/office/drawing/2010/main" val="0"/>
-              </a:ext>
-            </a:extLst>
-          </a:blip>
-          <a:stretch>
-            <a:fillRect/>
-          </a:stretch>
-        </p:blipFill>
+      <p:sp>
+        <p:nvSpPr>
+          <p:cNvPr id="3" name="TextBox 2"/>
+          <p:cNvSpPr txBox="1"/>
+          <p:nvPr/>
+        </p:nvSpPr>
         <p:spPr>
           <a:xfrm>
-            <a:off x="990600" y="1371600"/>
-            <a:ext cx="7449447" cy="4724400"/>
+            <a:off x="304800" y="1371600"/>
+            <a:ext cx="8305800" cy="830997"/>
           </a:xfrm>
+          <a:prstGeom prst="rect">
+            <a:avLst/>
+          </a:prstGeom>
+          <a:noFill/>
         </p:spPr>
-      </p:pic>
+        <p:txBody>
+          <a:bodyPr wrap="square" rtlCol="0">
+            <a:spAutoFit/>
+          </a:bodyPr>
+          <a:lstStyle/>
+          <a:p>
+            <a:r>
+              <a:rPr lang="en-US" sz="4800" dirty="0" smtClean="0"/>
+              <a:t>Tweet cleaning steps</a:t>
+            </a:r>
+          </a:p>
+        </p:txBody>
+      </p:sp>
+      <p:sp>
+        <p:nvSpPr>
+          <p:cNvPr id="5" name="TextBox 4"/>
+          <p:cNvSpPr txBox="1"/>
+          <p:nvPr/>
+        </p:nvSpPr>
+        <p:spPr>
+          <a:xfrm>
+            <a:off x="446314" y="2202597"/>
+            <a:ext cx="8305800" cy="2862322"/>
+          </a:xfrm>
+          <a:prstGeom prst="rect">
+            <a:avLst/>
+          </a:prstGeom>
+          <a:noFill/>
+        </p:spPr>
+        <p:txBody>
+          <a:bodyPr wrap="square" rtlCol="0">
+            <a:spAutoFit/>
+          </a:bodyPr>
+          <a:lstStyle/>
+          <a:p>
+            <a:pPr marL="342900" indent="-342900">
+              <a:buAutoNum type="arabicPeriod"/>
+            </a:pPr>
+            <a:r>
+              <a:rPr lang="en-US" sz="3600" dirty="0" smtClean="0"/>
+              <a:t>Convert text to lower-case</a:t>
+            </a:r>
+          </a:p>
+          <a:p>
+            <a:pPr marL="342900" indent="-342900">
+              <a:buAutoNum type="arabicPeriod"/>
+            </a:pPr>
+            <a:r>
+              <a:rPr lang="en-US" sz="3600" dirty="0" smtClean="0"/>
+              <a:t>Remove URLs</a:t>
+            </a:r>
+          </a:p>
+          <a:p>
+            <a:pPr marL="342900" indent="-342900">
+              <a:buAutoNum type="arabicPeriod"/>
+            </a:pPr>
+            <a:r>
+              <a:rPr lang="en-US" sz="3600" dirty="0" smtClean="0"/>
+              <a:t>Remove usernames</a:t>
+            </a:r>
+          </a:p>
+          <a:p>
+            <a:pPr marL="342900" indent="-342900">
+              <a:buAutoNum type="arabicPeriod"/>
+            </a:pPr>
+            <a:r>
+              <a:rPr lang="en-US" sz="3600" dirty="0" smtClean="0"/>
+              <a:t>Remove punctuation</a:t>
+            </a:r>
+          </a:p>
+          <a:p>
+            <a:pPr marL="342900" indent="-342900">
+              <a:buAutoNum type="arabicPeriod"/>
+            </a:pPr>
+            <a:r>
+              <a:rPr lang="en-US" sz="3600" dirty="0" smtClean="0"/>
+              <a:t>Remove </a:t>
+            </a:r>
+            <a:r>
+              <a:rPr lang="en-US" sz="3600" dirty="0" err="1" smtClean="0"/>
+              <a:t>stopwords</a:t>
+            </a:r>
+            <a:endParaRPr lang="en-US" sz="3600" dirty="0" smtClean="0"/>
+          </a:p>
+        </p:txBody>
+      </p:sp>
     </p:spTree>
     <p:extLst>
       <p:ext uri="{BB962C8B-B14F-4D97-AF65-F5344CB8AC3E}">
@@ -5291,35 +5366,6 @@
           </a:p>
         </p:txBody>
       </p:sp>
-      <p:pic>
-        <p:nvPicPr>
-          <p:cNvPr id="4" name="Content Placeholder 3"/>
-          <p:cNvPicPr>
-            <a:picLocks noGrp="1" noChangeAspect="1"/>
-          </p:cNvPicPr>
-          <p:nvPr>
-            <p:ph idx="1"/>
-          </p:nvPr>
-        </p:nvPicPr>
-        <p:blipFill>
-          <a:blip r:embed="rId2">
-            <a:extLst>
-              <a:ext uri="{28A0092B-C50C-407E-A947-70E740481C1C}">
-                <a14:useLocalDpi xmlns:a14="http://schemas.microsoft.com/office/drawing/2010/main" val="0"/>
-              </a:ext>
-            </a:extLst>
-          </a:blip>
-          <a:stretch>
-            <a:fillRect/>
-          </a:stretch>
-        </p:blipFill>
-        <p:spPr>
-          <a:xfrm>
-            <a:off x="4114800" y="914400"/>
-            <a:ext cx="4729029" cy="5783587"/>
-          </a:xfrm>
-        </p:spPr>
-      </p:pic>
       <p:graphicFrame>
         <p:nvGraphicFramePr>
           <p:cNvPr id="5" name="Table 4"/>
@@ -5329,14 +5375,14 @@
           <p:nvPr>
             <p:extLst>
               <p:ext uri="{D42A27DB-BD31-4B8C-83A1-F6EECF244321}">
-                <p14:modId xmlns:p14="http://schemas.microsoft.com/office/powerpoint/2010/main" val="3980263090"/>
+                <p14:modId xmlns:p14="http://schemas.microsoft.com/office/powerpoint/2010/main" val="2503260651"/>
               </p:ext>
             </p:extLst>
           </p:nvPr>
         </p:nvGraphicFramePr>
         <p:xfrm>
-          <a:off x="457200" y="1905000"/>
-          <a:ext cx="2819400" cy="1112520"/>
+          <a:off x="1524000" y="2877820"/>
+          <a:ext cx="1828800" cy="1752600"/>
         </p:xfrm>
         <a:graphic>
           <a:graphicData uri="http://schemas.openxmlformats.org/drawingml/2006/table">
@@ -5345,9 +5391,9 @@
                 <a:tableStyleId>{21E4AEA4-8DFA-4A89-87EB-49C32662AFE0}</a:tableStyleId>
               </a:tblPr>
               <a:tblGrid>
-                <a:gridCol w="2819400"/>
+                <a:gridCol w="1828800"/>
               </a:tblGrid>
-              <a:tr h="370840">
+              <a:tr h="584200">
                 <a:tc>
                   <a:txBody>
                     <a:bodyPr/>
@@ -5363,7 +5409,23 @@
                   <a:tcPr/>
                 </a:tc>
               </a:tr>
-              <a:tr h="370840">
+              <a:tr h="584200">
+                <a:tc>
+                  <a:txBody>
+                    <a:bodyPr/>
+                    <a:lstStyle/>
+                    <a:p>
+                      <a:r>
+                        <a:rPr lang="en-US" dirty="0" smtClean="0"/>
+                        <a:t>Bag of Words</a:t>
+                      </a:r>
+                      <a:endParaRPr lang="en-US" dirty="0"/>
+                    </a:p>
+                  </a:txBody>
+                  <a:tcPr/>
+                </a:tc>
+              </a:tr>
+              <a:tr h="584200">
                 <a:tc>
                   <a:txBody>
                     <a:bodyPr/>
@@ -5371,23 +5433,7 @@
                     <a:p>
                       <a:r>
                         <a:rPr lang="en-US" dirty="0" err="1" smtClean="0"/>
-                        <a:t>CountVectorizer</a:t>
-                      </a:r>
-                      <a:endParaRPr lang="en-US" dirty="0"/>
-                    </a:p>
-                  </a:txBody>
-                  <a:tcPr/>
-                </a:tc>
-              </a:tr>
-              <a:tr h="370840">
-                <a:tc>
-                  <a:txBody>
-                    <a:bodyPr/>
-                    <a:lstStyle/>
-                    <a:p>
-                      <a:r>
-                        <a:rPr lang="en-US" dirty="0" err="1" smtClean="0"/>
-                        <a:t>TfidfVectorizer</a:t>
+                        <a:t>Tfidf</a:t>
                       </a:r>
                       <a:endParaRPr lang="en-US" dirty="0"/>
                     </a:p>
@@ -5408,14 +5454,14 @@
           <p:nvPr>
             <p:extLst>
               <p:ext uri="{D42A27DB-BD31-4B8C-83A1-F6EECF244321}">
-                <p14:modId xmlns:p14="http://schemas.microsoft.com/office/powerpoint/2010/main" val="2559147842"/>
+                <p14:modId xmlns:p14="http://schemas.microsoft.com/office/powerpoint/2010/main" val="4174807915"/>
               </p:ext>
             </p:extLst>
           </p:nvPr>
         </p:nvGraphicFramePr>
         <p:xfrm>
-          <a:off x="304800" y="3429000"/>
-          <a:ext cx="3048000" cy="1483360"/>
+          <a:off x="3810000" y="1887220"/>
+          <a:ext cx="1676400" cy="1483360"/>
         </p:xfrm>
         <a:graphic>
           <a:graphicData uri="http://schemas.openxmlformats.org/drawingml/2006/table">
@@ -5424,7 +5470,7 @@
                 <a:tableStyleId>{21E4AEA4-8DFA-4A89-87EB-49C32662AFE0}</a:tableStyleId>
               </a:tblPr>
               <a:tblGrid>
-                <a:gridCol w="3048000"/>
+                <a:gridCol w="1676400"/>
               </a:tblGrid>
               <a:tr h="370840">
                 <a:tc>
@@ -5449,8 +5495,12 @@
                     <a:lstStyle/>
                     <a:p>
                       <a:r>
-                        <a:rPr lang="en-US" dirty="0" err="1" smtClean="0"/>
-                        <a:t>MultinomialNB</a:t>
+                        <a:rPr lang="en-US" dirty="0" smtClean="0"/>
+                        <a:t>Naïve</a:t>
+                      </a:r>
+                      <a:r>
+                        <a:rPr lang="en-US" baseline="0" dirty="0" smtClean="0"/>
+                        <a:t> Bayes</a:t>
                       </a:r>
                       <a:endParaRPr lang="en-US" dirty="0" smtClean="0"/>
                     </a:p>
@@ -5466,7 +5516,7 @@
                     <a:p>
                       <a:r>
                         <a:rPr lang="en-US" dirty="0" smtClean="0"/>
-                        <a:t>SVC</a:t>
+                        <a:t>SVM</a:t>
                       </a:r>
                       <a:endParaRPr lang="en-US" dirty="0"/>
                     </a:p>
@@ -5507,14 +5557,14 @@
           <p:nvPr>
             <p:extLst>
               <p:ext uri="{D42A27DB-BD31-4B8C-83A1-F6EECF244321}">
-                <p14:modId xmlns:p14="http://schemas.microsoft.com/office/powerpoint/2010/main" val="1493817109"/>
+                <p14:modId xmlns:p14="http://schemas.microsoft.com/office/powerpoint/2010/main" val="1020316977"/>
               </p:ext>
             </p:extLst>
           </p:nvPr>
         </p:nvGraphicFramePr>
         <p:xfrm>
-          <a:off x="533400" y="5334000"/>
-          <a:ext cx="2590800" cy="1112520"/>
+          <a:off x="5867400" y="1887220"/>
+          <a:ext cx="1981200" cy="1112520"/>
         </p:xfrm>
         <a:graphic>
           <a:graphicData uri="http://schemas.openxmlformats.org/drawingml/2006/table">
@@ -5523,7 +5573,7 @@
                 <a:tableStyleId>{21E4AEA4-8DFA-4A89-87EB-49C32662AFE0}</a:tableStyleId>
               </a:tblPr>
               <a:tblGrid>
-                <a:gridCol w="2590800"/>
+                <a:gridCol w="1981200"/>
               </a:tblGrid>
               <a:tr h="370840">
                 <a:tc>
@@ -5549,7 +5599,11 @@
                     <a:p>
                       <a:r>
                         <a:rPr lang="en-US" dirty="0" smtClean="0"/>
-                        <a:t>Grid Search CV</a:t>
+                        <a:t>Grid </a:t>
+                      </a:r>
+                      <a:r>
+                        <a:rPr lang="en-US" dirty="0" smtClean="0"/>
+                        <a:t>Search</a:t>
                       </a:r>
                       <a:endParaRPr lang="en-US" dirty="0"/>
                     </a:p>
@@ -5565,7 +5619,11 @@
                     <a:p>
                       <a:r>
                         <a:rPr lang="en-US" dirty="0" smtClean="0"/>
-                        <a:t>Random Search CV</a:t>
+                        <a:t>Random </a:t>
+                      </a:r>
+                      <a:r>
+                        <a:rPr lang="en-US" dirty="0" smtClean="0"/>
+                        <a:t>Search</a:t>
                       </a:r>
                       <a:endParaRPr lang="en-US" dirty="0"/>
                     </a:p>
@@ -5577,6 +5635,545 @@
           </a:graphicData>
         </a:graphic>
       </p:graphicFrame>
+      <p:graphicFrame>
+        <p:nvGraphicFramePr>
+          <p:cNvPr id="8" name="Content Placeholder 7"/>
+          <p:cNvGraphicFramePr>
+            <a:graphicFrameLocks noGrp="1"/>
+          </p:cNvGraphicFramePr>
+          <p:nvPr>
+            <p:ph idx="1"/>
+            <p:extLst>
+              <p:ext uri="{D42A27DB-BD31-4B8C-83A1-F6EECF244321}">
+                <p14:modId xmlns:p14="http://schemas.microsoft.com/office/powerpoint/2010/main" val="647809814"/>
+              </p:ext>
+            </p:extLst>
+          </p:nvPr>
+        </p:nvGraphicFramePr>
+        <p:xfrm>
+          <a:off x="187325" y="3761740"/>
+          <a:ext cx="1082675" cy="365760"/>
+        </p:xfrm>
+        <a:graphic>
+          <a:graphicData uri="http://schemas.openxmlformats.org/drawingml/2006/table">
+            <a:tbl>
+              <a:tblPr firstRow="1" bandRow="1">
+                <a:tableStyleId>{21E4AEA4-8DFA-4A89-87EB-49C32662AFE0}</a:tableStyleId>
+              </a:tblPr>
+              <a:tblGrid>
+                <a:gridCol w="1082675"/>
+              </a:tblGrid>
+              <a:tr h="0">
+                <a:tc>
+                  <a:txBody>
+                    <a:bodyPr/>
+                    <a:lstStyle/>
+                    <a:p>
+                      <a:r>
+                        <a:rPr lang="en-US" dirty="0" smtClean="0"/>
+                        <a:t>Data</a:t>
+                      </a:r>
+                      <a:endParaRPr lang="en-US" dirty="0"/>
+                    </a:p>
+                  </a:txBody>
+                  <a:tcPr/>
+                </a:tc>
+              </a:tr>
+            </a:tbl>
+          </a:graphicData>
+        </a:graphic>
+      </p:graphicFrame>
+      <p:graphicFrame>
+        <p:nvGraphicFramePr>
+          <p:cNvPr id="10" name="Table 9"/>
+          <p:cNvGraphicFramePr>
+            <a:graphicFrameLocks noGrp="1"/>
+          </p:cNvGraphicFramePr>
+          <p:nvPr>
+            <p:extLst>
+              <p:ext uri="{D42A27DB-BD31-4B8C-83A1-F6EECF244321}">
+                <p14:modId xmlns:p14="http://schemas.microsoft.com/office/powerpoint/2010/main" val="1945678727"/>
+              </p:ext>
+            </p:extLst>
+          </p:nvPr>
+        </p:nvGraphicFramePr>
+        <p:xfrm>
+          <a:off x="3886200" y="4173220"/>
+          <a:ext cx="1676400" cy="1483360"/>
+        </p:xfrm>
+        <a:graphic>
+          <a:graphicData uri="http://schemas.openxmlformats.org/drawingml/2006/table">
+            <a:tbl>
+              <a:tblPr firstRow="1" bandRow="1">
+                <a:tableStyleId>{21E4AEA4-8DFA-4A89-87EB-49C32662AFE0}</a:tableStyleId>
+              </a:tblPr>
+              <a:tblGrid>
+                <a:gridCol w="1676400"/>
+              </a:tblGrid>
+              <a:tr h="370840">
+                <a:tc>
+                  <a:txBody>
+                    <a:bodyPr/>
+                    <a:lstStyle/>
+                    <a:p>
+                      <a:r>
+                        <a:rPr lang="en-US" dirty="0" smtClean="0"/>
+                        <a:t>Classifiers</a:t>
+                      </a:r>
+                      <a:endParaRPr lang="en-US" dirty="0"/>
+                    </a:p>
+                  </a:txBody>
+                  <a:tcPr/>
+                </a:tc>
+              </a:tr>
+              <a:tr h="370840">
+                <a:tc>
+                  <a:txBody>
+                    <a:bodyPr/>
+                    <a:lstStyle/>
+                    <a:p>
+                      <a:r>
+                        <a:rPr lang="en-US" dirty="0" smtClean="0"/>
+                        <a:t>Naïve</a:t>
+                      </a:r>
+                      <a:r>
+                        <a:rPr lang="en-US" baseline="0" dirty="0" smtClean="0"/>
+                        <a:t> Bayes</a:t>
+                      </a:r>
+                      <a:endParaRPr lang="en-US" dirty="0" smtClean="0"/>
+                    </a:p>
+                  </a:txBody>
+                  <a:tcPr/>
+                </a:tc>
+              </a:tr>
+              <a:tr h="370840">
+                <a:tc>
+                  <a:txBody>
+                    <a:bodyPr/>
+                    <a:lstStyle/>
+                    <a:p>
+                      <a:r>
+                        <a:rPr lang="en-US" dirty="0" smtClean="0"/>
+                        <a:t>SVM</a:t>
+                      </a:r>
+                      <a:endParaRPr lang="en-US" dirty="0"/>
+                    </a:p>
+                  </a:txBody>
+                  <a:tcPr/>
+                </a:tc>
+              </a:tr>
+              <a:tr h="370840">
+                <a:tc>
+                  <a:txBody>
+                    <a:bodyPr/>
+                    <a:lstStyle/>
+                    <a:p>
+                      <a:r>
+                        <a:rPr lang="en-US" dirty="0" smtClean="0"/>
+                        <a:t>Random</a:t>
+                      </a:r>
+                      <a:r>
+                        <a:rPr lang="en-US" baseline="0" dirty="0" smtClean="0"/>
+                        <a:t> Forest</a:t>
+                      </a:r>
+                      <a:endParaRPr lang="en-US" dirty="0"/>
+                    </a:p>
+                  </a:txBody>
+                  <a:tcPr/>
+                </a:tc>
+              </a:tr>
+            </a:tbl>
+          </a:graphicData>
+        </a:graphic>
+      </p:graphicFrame>
+      <p:graphicFrame>
+        <p:nvGraphicFramePr>
+          <p:cNvPr id="12" name="Table 11"/>
+          <p:cNvGraphicFramePr>
+            <a:graphicFrameLocks noGrp="1"/>
+          </p:cNvGraphicFramePr>
+          <p:nvPr>
+            <p:extLst>
+              <p:ext uri="{D42A27DB-BD31-4B8C-83A1-F6EECF244321}">
+                <p14:modId xmlns:p14="http://schemas.microsoft.com/office/powerpoint/2010/main" val="352844578"/>
+              </p:ext>
+            </p:extLst>
+          </p:nvPr>
+        </p:nvGraphicFramePr>
+        <p:xfrm>
+          <a:off x="5943600" y="4173220"/>
+          <a:ext cx="1905000" cy="1112520"/>
+        </p:xfrm>
+        <a:graphic>
+          <a:graphicData uri="http://schemas.openxmlformats.org/drawingml/2006/table">
+            <a:tbl>
+              <a:tblPr firstRow="1" bandRow="1">
+                <a:tableStyleId>{21E4AEA4-8DFA-4A89-87EB-49C32662AFE0}</a:tableStyleId>
+              </a:tblPr>
+              <a:tblGrid>
+                <a:gridCol w="1905000"/>
+              </a:tblGrid>
+              <a:tr h="370840">
+                <a:tc>
+                  <a:txBody>
+                    <a:bodyPr/>
+                    <a:lstStyle/>
+                    <a:p>
+                      <a:r>
+                        <a:rPr lang="en-US" dirty="0" smtClean="0"/>
+                        <a:t>Cross Validation</a:t>
+                      </a:r>
+                      <a:endParaRPr lang="en-US" dirty="0"/>
+                    </a:p>
+                  </a:txBody>
+                  <a:tcPr/>
+                </a:tc>
+              </a:tr>
+              <a:tr h="370840">
+                <a:tc>
+                  <a:txBody>
+                    <a:bodyPr/>
+                    <a:lstStyle/>
+                    <a:p>
+                      <a:r>
+                        <a:rPr lang="en-US" dirty="0" smtClean="0"/>
+                        <a:t>Grid </a:t>
+                      </a:r>
+                      <a:r>
+                        <a:rPr lang="en-US" dirty="0" smtClean="0"/>
+                        <a:t>Search</a:t>
+                      </a:r>
+                      <a:endParaRPr lang="en-US" dirty="0"/>
+                    </a:p>
+                  </a:txBody>
+                  <a:tcPr/>
+                </a:tc>
+              </a:tr>
+              <a:tr h="370840">
+                <a:tc>
+                  <a:txBody>
+                    <a:bodyPr/>
+                    <a:lstStyle/>
+                    <a:p>
+                      <a:r>
+                        <a:rPr lang="en-US" dirty="0" smtClean="0"/>
+                        <a:t>Random </a:t>
+                      </a:r>
+                      <a:r>
+                        <a:rPr lang="en-US" dirty="0" smtClean="0"/>
+                        <a:t>Search</a:t>
+                      </a:r>
+                      <a:endParaRPr lang="en-US" dirty="0"/>
+                    </a:p>
+                  </a:txBody>
+                  <a:tcPr/>
+                </a:tc>
+              </a:tr>
+            </a:tbl>
+          </a:graphicData>
+        </a:graphic>
+      </p:graphicFrame>
+      <p:cxnSp>
+        <p:nvCxnSpPr>
+          <p:cNvPr id="17" name="Straight Arrow Connector 16"/>
+          <p:cNvCxnSpPr/>
+          <p:nvPr/>
+        </p:nvCxnSpPr>
+        <p:spPr>
+          <a:xfrm flipV="1">
+            <a:off x="3352800" y="2725420"/>
+            <a:ext cx="381000" cy="990600"/>
+          </a:xfrm>
+          <a:prstGeom prst="straightConnector1">
+            <a:avLst/>
+          </a:prstGeom>
+          <a:ln>
+            <a:tailEnd type="arrow"/>
+          </a:ln>
+        </p:spPr>
+        <p:style>
+          <a:lnRef idx="1">
+            <a:schemeClr val="accent1"/>
+          </a:lnRef>
+          <a:fillRef idx="0">
+            <a:schemeClr val="accent1"/>
+          </a:fillRef>
+          <a:effectRef idx="0">
+            <a:schemeClr val="accent1"/>
+          </a:effectRef>
+          <a:fontRef idx="minor">
+            <a:schemeClr val="tx1"/>
+          </a:fontRef>
+        </p:style>
+      </p:cxnSp>
+      <p:cxnSp>
+        <p:nvCxnSpPr>
+          <p:cNvPr id="19" name="Straight Arrow Connector 18"/>
+          <p:cNvCxnSpPr/>
+          <p:nvPr/>
+        </p:nvCxnSpPr>
+        <p:spPr>
+          <a:xfrm>
+            <a:off x="3352800" y="4249420"/>
+            <a:ext cx="457200" cy="838200"/>
+          </a:xfrm>
+          <a:prstGeom prst="straightConnector1">
+            <a:avLst/>
+          </a:prstGeom>
+          <a:ln>
+            <a:tailEnd type="arrow"/>
+          </a:ln>
+        </p:spPr>
+        <p:style>
+          <a:lnRef idx="1">
+            <a:schemeClr val="accent1"/>
+          </a:lnRef>
+          <a:fillRef idx="0">
+            <a:schemeClr val="accent1"/>
+          </a:fillRef>
+          <a:effectRef idx="0">
+            <a:schemeClr val="accent1"/>
+          </a:effectRef>
+          <a:fontRef idx="minor">
+            <a:schemeClr val="tx1"/>
+          </a:fontRef>
+        </p:style>
+      </p:cxnSp>
+      <p:cxnSp>
+        <p:nvCxnSpPr>
+          <p:cNvPr id="21" name="Straight Arrow Connector 20"/>
+          <p:cNvCxnSpPr>
+            <a:endCxn id="7" idx="1"/>
+          </p:cNvCxnSpPr>
+          <p:nvPr/>
+        </p:nvCxnSpPr>
+        <p:spPr>
+          <a:xfrm>
+            <a:off x="5486400" y="2443480"/>
+            <a:ext cx="381000" cy="0"/>
+          </a:xfrm>
+          <a:prstGeom prst="straightConnector1">
+            <a:avLst/>
+          </a:prstGeom>
+          <a:ln>
+            <a:tailEnd type="arrow"/>
+          </a:ln>
+        </p:spPr>
+        <p:style>
+          <a:lnRef idx="1">
+            <a:schemeClr val="accent1"/>
+          </a:lnRef>
+          <a:fillRef idx="0">
+            <a:schemeClr val="accent1"/>
+          </a:fillRef>
+          <a:effectRef idx="0">
+            <a:schemeClr val="accent1"/>
+          </a:effectRef>
+          <a:fontRef idx="minor">
+            <a:schemeClr val="tx1"/>
+          </a:fontRef>
+        </p:style>
+      </p:cxnSp>
+      <p:cxnSp>
+        <p:nvCxnSpPr>
+          <p:cNvPr id="24" name="Straight Arrow Connector 23"/>
+          <p:cNvCxnSpPr/>
+          <p:nvPr/>
+        </p:nvCxnSpPr>
+        <p:spPr>
+          <a:xfrm>
+            <a:off x="5486400" y="2801620"/>
+            <a:ext cx="381000" cy="0"/>
+          </a:xfrm>
+          <a:prstGeom prst="straightConnector1">
+            <a:avLst/>
+          </a:prstGeom>
+          <a:ln>
+            <a:tailEnd type="arrow"/>
+          </a:ln>
+        </p:spPr>
+        <p:style>
+          <a:lnRef idx="1">
+            <a:schemeClr val="accent1"/>
+          </a:lnRef>
+          <a:fillRef idx="0">
+            <a:schemeClr val="accent1"/>
+          </a:fillRef>
+          <a:effectRef idx="0">
+            <a:schemeClr val="accent1"/>
+          </a:effectRef>
+          <a:fontRef idx="minor">
+            <a:schemeClr val="tx1"/>
+          </a:fontRef>
+        </p:style>
+      </p:cxnSp>
+      <p:cxnSp>
+        <p:nvCxnSpPr>
+          <p:cNvPr id="26" name="Straight Arrow Connector 25"/>
+          <p:cNvCxnSpPr/>
+          <p:nvPr/>
+        </p:nvCxnSpPr>
+        <p:spPr>
+          <a:xfrm flipV="1">
+            <a:off x="5486400" y="2954020"/>
+            <a:ext cx="381000" cy="266700"/>
+          </a:xfrm>
+          <a:prstGeom prst="straightConnector1">
+            <a:avLst/>
+          </a:prstGeom>
+          <a:ln>
+            <a:tailEnd type="arrow"/>
+          </a:ln>
+        </p:spPr>
+        <p:style>
+          <a:lnRef idx="1">
+            <a:schemeClr val="accent1"/>
+          </a:lnRef>
+          <a:fillRef idx="0">
+            <a:schemeClr val="accent1"/>
+          </a:fillRef>
+          <a:effectRef idx="0">
+            <a:schemeClr val="accent1"/>
+          </a:effectRef>
+          <a:fontRef idx="minor">
+            <a:schemeClr val="tx1"/>
+          </a:fontRef>
+        </p:style>
+      </p:cxnSp>
+      <p:cxnSp>
+        <p:nvCxnSpPr>
+          <p:cNvPr id="28" name="Straight Arrow Connector 27"/>
+          <p:cNvCxnSpPr>
+            <a:endCxn id="12" idx="1"/>
+          </p:cNvCxnSpPr>
+          <p:nvPr/>
+        </p:nvCxnSpPr>
+        <p:spPr>
+          <a:xfrm>
+            <a:off x="5562600" y="4729480"/>
+            <a:ext cx="381000" cy="0"/>
+          </a:xfrm>
+          <a:prstGeom prst="straightConnector1">
+            <a:avLst/>
+          </a:prstGeom>
+          <a:ln>
+            <a:tailEnd type="arrow"/>
+          </a:ln>
+        </p:spPr>
+        <p:style>
+          <a:lnRef idx="1">
+            <a:schemeClr val="accent1"/>
+          </a:lnRef>
+          <a:fillRef idx="0">
+            <a:schemeClr val="accent1"/>
+          </a:fillRef>
+          <a:effectRef idx="0">
+            <a:schemeClr val="accent1"/>
+          </a:effectRef>
+          <a:fontRef idx="minor">
+            <a:schemeClr val="tx1"/>
+          </a:fontRef>
+        </p:style>
+      </p:cxnSp>
+      <p:cxnSp>
+        <p:nvCxnSpPr>
+          <p:cNvPr id="34" name="Straight Arrow Connector 33"/>
+          <p:cNvCxnSpPr/>
+          <p:nvPr/>
+        </p:nvCxnSpPr>
+        <p:spPr>
+          <a:xfrm>
+            <a:off x="5562600" y="5087620"/>
+            <a:ext cx="381000" cy="0"/>
+          </a:xfrm>
+          <a:prstGeom prst="straightConnector1">
+            <a:avLst/>
+          </a:prstGeom>
+          <a:ln>
+            <a:tailEnd type="arrow"/>
+          </a:ln>
+        </p:spPr>
+        <p:style>
+          <a:lnRef idx="1">
+            <a:schemeClr val="accent1"/>
+          </a:lnRef>
+          <a:fillRef idx="0">
+            <a:schemeClr val="accent1"/>
+          </a:fillRef>
+          <a:effectRef idx="0">
+            <a:schemeClr val="accent1"/>
+          </a:effectRef>
+          <a:fontRef idx="minor">
+            <a:schemeClr val="tx1"/>
+          </a:fontRef>
+        </p:style>
+      </p:cxnSp>
+      <p:cxnSp>
+        <p:nvCxnSpPr>
+          <p:cNvPr id="36" name="Straight Arrow Connector 35"/>
+          <p:cNvCxnSpPr/>
+          <p:nvPr/>
+        </p:nvCxnSpPr>
+        <p:spPr>
+          <a:xfrm flipV="1">
+            <a:off x="5562600" y="5240020"/>
+            <a:ext cx="381000" cy="304800"/>
+          </a:xfrm>
+          <a:prstGeom prst="straightConnector1">
+            <a:avLst/>
+          </a:prstGeom>
+          <a:ln>
+            <a:tailEnd type="arrow"/>
+          </a:ln>
+        </p:spPr>
+        <p:style>
+          <a:lnRef idx="1">
+            <a:schemeClr val="accent1"/>
+          </a:lnRef>
+          <a:fillRef idx="0">
+            <a:schemeClr val="accent1"/>
+          </a:fillRef>
+          <a:effectRef idx="0">
+            <a:schemeClr val="accent1"/>
+          </a:effectRef>
+          <a:fontRef idx="minor">
+            <a:schemeClr val="tx1"/>
+          </a:fontRef>
+        </p:style>
+      </p:cxnSp>
+      <p:cxnSp>
+        <p:nvCxnSpPr>
+          <p:cNvPr id="38" name="Straight Arrow Connector 37"/>
+          <p:cNvCxnSpPr/>
+          <p:nvPr/>
+        </p:nvCxnSpPr>
+        <p:spPr>
+          <a:xfrm>
+            <a:off x="1219200" y="3944620"/>
+            <a:ext cx="304800" cy="0"/>
+          </a:xfrm>
+          <a:prstGeom prst="straightConnector1">
+            <a:avLst/>
+          </a:prstGeom>
+          <a:ln>
+            <a:tailEnd type="arrow"/>
+          </a:ln>
+        </p:spPr>
+        <p:style>
+          <a:lnRef idx="1">
+            <a:schemeClr val="accent1"/>
+          </a:lnRef>
+          <a:fillRef idx="0">
+            <a:schemeClr val="accent1"/>
+          </a:fillRef>
+          <a:effectRef idx="0">
+            <a:schemeClr val="accent1"/>
+          </a:effectRef>
+          <a:fontRef idx="minor">
+            <a:schemeClr val="tx1"/>
+          </a:fontRef>
+        </p:style>
+      </p:cxnSp>
     </p:spTree>
     <p:extLst>
       <p:ext uri="{BB962C8B-B14F-4D97-AF65-F5344CB8AC3E}">
@@ -5625,41 +6222,1008 @@
             <a:pPr algn="ctr"/>
             <a:r>
               <a:rPr lang="en-US" dirty="0" smtClean="0"/>
-              <a:t>results</a:t>
+              <a:t>Cross validation</a:t>
             </a:r>
             <a:endParaRPr lang="en-US" dirty="0"/>
           </a:p>
         </p:txBody>
       </p:sp>
-      <p:pic>
-        <p:nvPicPr>
+      <p:graphicFrame>
+        <p:nvGraphicFramePr>
+          <p:cNvPr id="6" name="Content Placeholder 5"/>
+          <p:cNvGraphicFramePr>
+            <a:graphicFrameLocks noGrp="1"/>
+          </p:cNvGraphicFramePr>
+          <p:nvPr>
+            <p:ph idx="1"/>
+            <p:extLst>
+              <p:ext uri="{D42A27DB-BD31-4B8C-83A1-F6EECF244321}">
+                <p14:modId xmlns:p14="http://schemas.microsoft.com/office/powerpoint/2010/main" val="3454181646"/>
+              </p:ext>
+            </p:extLst>
+          </p:nvPr>
+        </p:nvGraphicFramePr>
+        <p:xfrm>
+          <a:off x="609600" y="1066800"/>
+          <a:ext cx="8016876" cy="5300659"/>
+        </p:xfrm>
+        <a:graphic>
+          <a:graphicData uri="http://schemas.openxmlformats.org/drawingml/2006/table">
+            <a:tbl>
+              <a:tblPr firstRow="1" bandRow="1">
+                <a:tableStyleId>{21E4AEA4-8DFA-4A89-87EB-49C32662AFE0}</a:tableStyleId>
+              </a:tblPr>
+              <a:tblGrid>
+                <a:gridCol w="2004219"/>
+                <a:gridCol w="2004219"/>
+                <a:gridCol w="2004219"/>
+                <a:gridCol w="2004219"/>
+              </a:tblGrid>
+              <a:tr h="757237">
+                <a:tc>
+                  <a:txBody>
+                    <a:bodyPr/>
+                    <a:lstStyle/>
+                    <a:p>
+                      <a:pPr algn="ctr"/>
+                      <a:r>
+                        <a:rPr lang="en-US" b="1" i="0" dirty="0" err="1" smtClean="0">
+                          <a:solidFill>
+                            <a:schemeClr val="tx1"/>
+                          </a:solidFill>
+                        </a:rPr>
+                        <a:t>Vectorizer</a:t>
+                      </a:r>
+                      <a:endParaRPr lang="en-US" b="1" i="0" dirty="0">
+                        <a:solidFill>
+                          <a:schemeClr val="tx1"/>
+                        </a:solidFill>
+                      </a:endParaRPr>
+                    </a:p>
+                  </a:txBody>
+                  <a:tcPr anchor="ctr"/>
+                </a:tc>
+                <a:tc>
+                  <a:txBody>
+                    <a:bodyPr/>
+                    <a:lstStyle/>
+                    <a:p>
+                      <a:pPr algn="ctr"/>
+                      <a:r>
+                        <a:rPr lang="en-US" b="1" i="0" dirty="0" smtClean="0">
+                          <a:solidFill>
+                            <a:schemeClr val="tx1"/>
+                          </a:solidFill>
+                        </a:rPr>
+                        <a:t>Classifier</a:t>
+                      </a:r>
+                      <a:endParaRPr lang="en-US" b="1" i="0" dirty="0">
+                        <a:solidFill>
+                          <a:schemeClr val="tx1"/>
+                        </a:solidFill>
+                      </a:endParaRPr>
+                    </a:p>
+                  </a:txBody>
+                  <a:tcPr anchor="ctr"/>
+                </a:tc>
+                <a:tc>
+                  <a:txBody>
+                    <a:bodyPr/>
+                    <a:lstStyle/>
+                    <a:p>
+                      <a:pPr algn="ctr"/>
+                      <a:r>
+                        <a:rPr lang="en-US" b="1" i="0" dirty="0" smtClean="0">
+                          <a:solidFill>
+                            <a:schemeClr val="tx1"/>
+                          </a:solidFill>
+                        </a:rPr>
+                        <a:t>Training Set F1</a:t>
+                      </a:r>
+                      <a:endParaRPr lang="en-US" b="1" i="0" dirty="0">
+                        <a:solidFill>
+                          <a:schemeClr val="tx1"/>
+                        </a:solidFill>
+                      </a:endParaRPr>
+                    </a:p>
+                  </a:txBody>
+                  <a:tcPr anchor="ctr"/>
+                </a:tc>
+                <a:tc>
+                  <a:txBody>
+                    <a:bodyPr/>
+                    <a:lstStyle/>
+                    <a:p>
+                      <a:pPr algn="ctr"/>
+                      <a:r>
+                        <a:rPr lang="en-US" b="1" i="0" dirty="0" smtClean="0">
+                          <a:solidFill>
+                            <a:schemeClr val="tx1"/>
+                          </a:solidFill>
+                        </a:rPr>
+                        <a:t>Validation</a:t>
+                      </a:r>
+                      <a:r>
+                        <a:rPr lang="en-US" b="1" i="0" baseline="0" dirty="0" smtClean="0">
+                          <a:solidFill>
+                            <a:schemeClr val="tx1"/>
+                          </a:solidFill>
+                        </a:rPr>
+                        <a:t> Set F1</a:t>
+                      </a:r>
+                      <a:endParaRPr lang="en-US" b="1" i="0" dirty="0">
+                        <a:solidFill>
+                          <a:schemeClr val="tx1"/>
+                        </a:solidFill>
+                      </a:endParaRPr>
+                    </a:p>
+                  </a:txBody>
+                  <a:tcPr anchor="ctr"/>
+                </a:tc>
+              </a:tr>
+              <a:tr h="757237">
+                <a:tc>
+                  <a:txBody>
+                    <a:bodyPr/>
+                    <a:lstStyle/>
+                    <a:p>
+                      <a:pPr algn="ctr"/>
+                      <a:r>
+                        <a:rPr lang="en-US" b="1" i="0" dirty="0" smtClean="0">
+                          <a:solidFill>
+                            <a:schemeClr val="tx1"/>
+                          </a:solidFill>
+                        </a:rPr>
+                        <a:t>Bag of Words</a:t>
+                      </a:r>
+                      <a:endParaRPr lang="en-US" b="1" i="0" dirty="0">
+                        <a:solidFill>
+                          <a:schemeClr val="tx1"/>
+                        </a:solidFill>
+                      </a:endParaRPr>
+                    </a:p>
+                  </a:txBody>
+                  <a:tcPr anchor="ctr"/>
+                </a:tc>
+                <a:tc>
+                  <a:txBody>
+                    <a:bodyPr/>
+                    <a:lstStyle/>
+                    <a:p>
+                      <a:pPr algn="ctr"/>
+                      <a:r>
+                        <a:rPr lang="en-US" b="1" i="0" dirty="0" smtClean="0">
+                          <a:solidFill>
+                            <a:schemeClr val="tx1"/>
+                          </a:solidFill>
+                        </a:rPr>
+                        <a:t>Naïve Bayes</a:t>
+                      </a:r>
+                      <a:endParaRPr lang="en-US" b="1" i="0" dirty="0">
+                        <a:solidFill>
+                          <a:schemeClr val="tx1"/>
+                        </a:solidFill>
+                      </a:endParaRPr>
+                    </a:p>
+                  </a:txBody>
+                  <a:tcPr anchor="ctr"/>
+                </a:tc>
+                <a:tc>
+                  <a:txBody>
+                    <a:bodyPr/>
+                    <a:lstStyle/>
+                    <a:p>
+                      <a:pPr algn="ctr"/>
+                      <a:r>
+                        <a:rPr lang="en-US" b="1" i="0" dirty="0" smtClean="0">
+                          <a:solidFill>
+                            <a:schemeClr val="tx1"/>
+                          </a:solidFill>
+                        </a:rPr>
+                        <a:t>0.969 (0.002)</a:t>
+                      </a:r>
+                      <a:endParaRPr lang="en-US" b="1" i="0" dirty="0">
+                        <a:solidFill>
+                          <a:schemeClr val="tx1"/>
+                        </a:solidFill>
+                      </a:endParaRPr>
+                    </a:p>
+                  </a:txBody>
+                  <a:tcPr anchor="ctr"/>
+                </a:tc>
+                <a:tc>
+                  <a:txBody>
+                    <a:bodyPr/>
+                    <a:lstStyle/>
+                    <a:p>
+                      <a:pPr algn="ctr"/>
+                      <a:r>
+                        <a:rPr lang="en-US" b="1" i="0" dirty="0" smtClean="0">
+                          <a:solidFill>
+                            <a:schemeClr val="tx1"/>
+                          </a:solidFill>
+                        </a:rPr>
+                        <a:t>0.634 (0.009)</a:t>
+                      </a:r>
+                      <a:endParaRPr lang="en-US" b="1" i="0" dirty="0">
+                        <a:solidFill>
+                          <a:schemeClr val="tx1"/>
+                        </a:solidFill>
+                      </a:endParaRPr>
+                    </a:p>
+                  </a:txBody>
+                  <a:tcPr anchor="ctr"/>
+                </a:tc>
+              </a:tr>
+              <a:tr h="757237">
+                <a:tc>
+                  <a:txBody>
+                    <a:bodyPr/>
+                    <a:lstStyle/>
+                    <a:p>
+                      <a:pPr algn="ctr"/>
+                      <a:r>
+                        <a:rPr lang="en-US" b="1" i="1" dirty="0" smtClean="0">
+                          <a:solidFill>
+                            <a:srgbClr val="FF0000"/>
+                          </a:solidFill>
+                        </a:rPr>
+                        <a:t>Bag of</a:t>
+                      </a:r>
+                      <a:r>
+                        <a:rPr lang="en-US" b="1" i="1" baseline="0" dirty="0" smtClean="0">
+                          <a:solidFill>
+                            <a:srgbClr val="FF0000"/>
+                          </a:solidFill>
+                        </a:rPr>
+                        <a:t> Words</a:t>
+                      </a:r>
+                      <a:endParaRPr lang="en-US" b="1" i="1" dirty="0">
+                        <a:solidFill>
+                          <a:srgbClr val="FF0000"/>
+                        </a:solidFill>
+                      </a:endParaRPr>
+                    </a:p>
+                  </a:txBody>
+                  <a:tcPr anchor="ctr"/>
+                </a:tc>
+                <a:tc>
+                  <a:txBody>
+                    <a:bodyPr/>
+                    <a:lstStyle/>
+                    <a:p>
+                      <a:pPr algn="ctr"/>
+                      <a:r>
+                        <a:rPr lang="en-US" b="1" i="1" dirty="0" smtClean="0">
+                          <a:solidFill>
+                            <a:srgbClr val="FF0000"/>
+                          </a:solidFill>
+                        </a:rPr>
+                        <a:t>SVM</a:t>
+                      </a:r>
+                      <a:endParaRPr lang="en-US" b="1" i="1" dirty="0">
+                        <a:solidFill>
+                          <a:srgbClr val="FF0000"/>
+                        </a:solidFill>
+                      </a:endParaRPr>
+                    </a:p>
+                  </a:txBody>
+                  <a:tcPr anchor="ctr"/>
+                </a:tc>
+                <a:tc>
+                  <a:txBody>
+                    <a:bodyPr/>
+                    <a:lstStyle/>
+                    <a:p>
+                      <a:pPr algn="ctr"/>
+                      <a:r>
+                        <a:rPr lang="en-US" b="1" i="1" dirty="0" smtClean="0">
+                          <a:solidFill>
+                            <a:srgbClr val="FF0000"/>
+                          </a:solidFill>
+                        </a:rPr>
+                        <a:t>0.968 (0.001)</a:t>
+                      </a:r>
+                    </a:p>
+                  </a:txBody>
+                  <a:tcPr anchor="ctr"/>
+                </a:tc>
+                <a:tc>
+                  <a:txBody>
+                    <a:bodyPr/>
+                    <a:lstStyle/>
+                    <a:p>
+                      <a:pPr algn="ctr"/>
+                      <a:r>
+                        <a:rPr lang="en-US" b="1" i="1" dirty="0" smtClean="0">
+                          <a:solidFill>
+                            <a:srgbClr val="FF0000"/>
+                          </a:solidFill>
+                        </a:rPr>
+                        <a:t>0.707 (0.010)</a:t>
+                      </a:r>
+                      <a:endParaRPr lang="en-US" b="1" i="1" dirty="0">
+                        <a:solidFill>
+                          <a:srgbClr val="FF0000"/>
+                        </a:solidFill>
+                      </a:endParaRPr>
+                    </a:p>
+                  </a:txBody>
+                  <a:tcPr anchor="ctr"/>
+                </a:tc>
+              </a:tr>
+              <a:tr h="757237">
+                <a:tc>
+                  <a:txBody>
+                    <a:bodyPr/>
+                    <a:lstStyle/>
+                    <a:p>
+                      <a:pPr algn="ctr"/>
+                      <a:r>
+                        <a:rPr lang="en-US" b="1" i="0" dirty="0" smtClean="0">
+                          <a:solidFill>
+                            <a:schemeClr val="tx1"/>
+                          </a:solidFill>
+                        </a:rPr>
+                        <a:t>Bag of Words</a:t>
+                      </a:r>
+                      <a:endParaRPr lang="en-US" b="1" i="0" dirty="0">
+                        <a:solidFill>
+                          <a:schemeClr val="tx1"/>
+                        </a:solidFill>
+                      </a:endParaRPr>
+                    </a:p>
+                  </a:txBody>
+                  <a:tcPr anchor="ctr"/>
+                </a:tc>
+                <a:tc>
+                  <a:txBody>
+                    <a:bodyPr/>
+                    <a:lstStyle/>
+                    <a:p>
+                      <a:pPr algn="ctr"/>
+                      <a:r>
+                        <a:rPr lang="en-US" b="1" i="0" dirty="0" smtClean="0">
+                          <a:solidFill>
+                            <a:schemeClr val="tx1"/>
+                          </a:solidFill>
+                        </a:rPr>
+                        <a:t>Random Forest</a:t>
+                      </a:r>
+                      <a:endParaRPr lang="en-US" b="1" i="0" dirty="0">
+                        <a:solidFill>
+                          <a:schemeClr val="tx1"/>
+                        </a:solidFill>
+                      </a:endParaRPr>
+                    </a:p>
+                  </a:txBody>
+                  <a:tcPr anchor="ctr"/>
+                </a:tc>
+                <a:tc>
+                  <a:txBody>
+                    <a:bodyPr/>
+                    <a:lstStyle/>
+                    <a:p>
+                      <a:pPr algn="ctr"/>
+                      <a:r>
+                        <a:rPr lang="en-US" b="1" i="0" dirty="0" smtClean="0">
+                          <a:solidFill>
+                            <a:schemeClr val="tx1"/>
+                          </a:solidFill>
+                        </a:rPr>
+                        <a:t>0.991 (0.001)</a:t>
+                      </a:r>
+                      <a:endParaRPr lang="en-US" b="1" i="0" dirty="0">
+                        <a:solidFill>
+                          <a:schemeClr val="tx1"/>
+                        </a:solidFill>
+                      </a:endParaRPr>
+                    </a:p>
+                  </a:txBody>
+                  <a:tcPr anchor="ctr"/>
+                </a:tc>
+                <a:tc>
+                  <a:txBody>
+                    <a:bodyPr/>
+                    <a:lstStyle/>
+                    <a:p>
+                      <a:pPr algn="ctr"/>
+                      <a:r>
+                        <a:rPr lang="en-US" b="1" i="0" dirty="0" smtClean="0">
+                          <a:solidFill>
+                            <a:schemeClr val="tx1"/>
+                          </a:solidFill>
+                        </a:rPr>
+                        <a:t>0.701 (0.012)</a:t>
+                      </a:r>
+                      <a:endParaRPr lang="en-US" b="1" i="0" dirty="0">
+                        <a:solidFill>
+                          <a:schemeClr val="tx1"/>
+                        </a:solidFill>
+                      </a:endParaRPr>
+                    </a:p>
+                  </a:txBody>
+                  <a:tcPr anchor="ctr"/>
+                </a:tc>
+              </a:tr>
+              <a:tr h="757237">
+                <a:tc>
+                  <a:txBody>
+                    <a:bodyPr/>
+                    <a:lstStyle/>
+                    <a:p>
+                      <a:pPr algn="ctr"/>
+                      <a:r>
+                        <a:rPr lang="en-US" b="1" i="0" dirty="0" err="1" smtClean="0">
+                          <a:solidFill>
+                            <a:schemeClr val="tx1"/>
+                          </a:solidFill>
+                        </a:rPr>
+                        <a:t>Tfidf</a:t>
+                      </a:r>
+                      <a:endParaRPr lang="en-US" b="1" i="0" dirty="0">
+                        <a:solidFill>
+                          <a:schemeClr val="tx1"/>
+                        </a:solidFill>
+                      </a:endParaRPr>
+                    </a:p>
+                  </a:txBody>
+                  <a:tcPr anchor="ctr"/>
+                </a:tc>
+                <a:tc>
+                  <a:txBody>
+                    <a:bodyPr/>
+                    <a:lstStyle/>
+                    <a:p>
+                      <a:pPr algn="ctr"/>
+                      <a:r>
+                        <a:rPr lang="en-US" b="1" i="0" dirty="0" smtClean="0">
+                          <a:solidFill>
+                            <a:schemeClr val="tx1"/>
+                          </a:solidFill>
+                        </a:rPr>
+                        <a:t>Naïve Bayes</a:t>
+                      </a:r>
+                      <a:endParaRPr lang="en-US" b="1" i="0" dirty="0">
+                        <a:solidFill>
+                          <a:schemeClr val="tx1"/>
+                        </a:solidFill>
+                      </a:endParaRPr>
+                    </a:p>
+                  </a:txBody>
+                  <a:tcPr anchor="ctr"/>
+                </a:tc>
+                <a:tc>
+                  <a:txBody>
+                    <a:bodyPr/>
+                    <a:lstStyle/>
+                    <a:p>
+                      <a:pPr algn="ctr"/>
+                      <a:r>
+                        <a:rPr lang="en-US" b="1" i="0" dirty="0" smtClean="0">
+                          <a:solidFill>
+                            <a:schemeClr val="tx1"/>
+                          </a:solidFill>
+                        </a:rPr>
+                        <a:t>0.985 (0.001)</a:t>
+                      </a:r>
+                      <a:endParaRPr lang="en-US" b="1" i="0" dirty="0">
+                        <a:solidFill>
+                          <a:schemeClr val="tx1"/>
+                        </a:solidFill>
+                      </a:endParaRPr>
+                    </a:p>
+                  </a:txBody>
+                  <a:tcPr anchor="ctr"/>
+                </a:tc>
+                <a:tc>
+                  <a:txBody>
+                    <a:bodyPr/>
+                    <a:lstStyle/>
+                    <a:p>
+                      <a:pPr algn="ctr"/>
+                      <a:r>
+                        <a:rPr lang="en-US" b="1" i="0" dirty="0" smtClean="0">
+                          <a:solidFill>
+                            <a:schemeClr val="tx1"/>
+                          </a:solidFill>
+                        </a:rPr>
+                        <a:t>0.639 (0.009)</a:t>
+                      </a:r>
+                      <a:endParaRPr lang="en-US" b="1" i="0" dirty="0">
+                        <a:solidFill>
+                          <a:schemeClr val="tx1"/>
+                        </a:solidFill>
+                      </a:endParaRPr>
+                    </a:p>
+                  </a:txBody>
+                  <a:tcPr anchor="ctr"/>
+                </a:tc>
+              </a:tr>
+              <a:tr h="757237">
+                <a:tc>
+                  <a:txBody>
+                    <a:bodyPr/>
+                    <a:lstStyle/>
+                    <a:p>
+                      <a:pPr marL="0" marR="0" indent="0" algn="ctr" defTabSz="914400" rtl="0" eaLnBrk="1" fontAlgn="auto" latinLnBrk="0" hangingPunct="1">
+                        <a:lnSpc>
+                          <a:spcPct val="100000"/>
+                        </a:lnSpc>
+                        <a:spcBef>
+                          <a:spcPts val="0"/>
+                        </a:spcBef>
+                        <a:spcAft>
+                          <a:spcPts val="0"/>
+                        </a:spcAft>
+                        <a:buClrTx/>
+                        <a:buSzTx/>
+                        <a:buFontTx/>
+                        <a:buNone/>
+                        <a:tabLst/>
+                        <a:defRPr/>
+                      </a:pPr>
+                      <a:r>
+                        <a:rPr lang="en-US" b="1" i="0" dirty="0" err="1" smtClean="0">
+                          <a:solidFill>
+                            <a:schemeClr val="tx1"/>
+                          </a:solidFill>
+                        </a:rPr>
+                        <a:t>Tfidf</a:t>
+                      </a:r>
+                      <a:endParaRPr lang="en-US" b="1" i="0" dirty="0" smtClean="0">
+                        <a:solidFill>
+                          <a:schemeClr val="tx1"/>
+                        </a:solidFill>
+                      </a:endParaRPr>
+                    </a:p>
+                  </a:txBody>
+                  <a:tcPr anchor="ctr"/>
+                </a:tc>
+                <a:tc>
+                  <a:txBody>
+                    <a:bodyPr/>
+                    <a:lstStyle/>
+                    <a:p>
+                      <a:pPr algn="ctr"/>
+                      <a:r>
+                        <a:rPr lang="en-US" b="1" i="0" dirty="0" smtClean="0">
+                          <a:solidFill>
+                            <a:schemeClr val="tx1"/>
+                          </a:solidFill>
+                        </a:rPr>
+                        <a:t>SVM</a:t>
+                      </a:r>
+                      <a:endParaRPr lang="en-US" b="1" i="0" dirty="0">
+                        <a:solidFill>
+                          <a:schemeClr val="tx1"/>
+                        </a:solidFill>
+                      </a:endParaRPr>
+                    </a:p>
+                  </a:txBody>
+                  <a:tcPr anchor="ctr"/>
+                </a:tc>
+                <a:tc>
+                  <a:txBody>
+                    <a:bodyPr/>
+                    <a:lstStyle/>
+                    <a:p>
+                      <a:pPr algn="ctr"/>
+                      <a:r>
+                        <a:rPr lang="en-US" b="1" i="0" dirty="0" smtClean="0">
+                          <a:solidFill>
+                            <a:schemeClr val="tx1"/>
+                          </a:solidFill>
+                        </a:rPr>
+                        <a:t>0.880 (0.001)</a:t>
+                      </a:r>
+                      <a:endParaRPr lang="en-US" b="1" i="0" dirty="0">
+                        <a:solidFill>
+                          <a:schemeClr val="tx1"/>
+                        </a:solidFill>
+                      </a:endParaRPr>
+                    </a:p>
+                  </a:txBody>
+                  <a:tcPr anchor="ctr"/>
+                </a:tc>
+                <a:tc>
+                  <a:txBody>
+                    <a:bodyPr/>
+                    <a:lstStyle/>
+                    <a:p>
+                      <a:pPr algn="ctr"/>
+                      <a:r>
+                        <a:rPr lang="en-US" b="1" i="0" dirty="0" smtClean="0">
+                          <a:solidFill>
+                            <a:schemeClr val="tx1"/>
+                          </a:solidFill>
+                        </a:rPr>
+                        <a:t>0.695</a:t>
+                      </a:r>
+                      <a:r>
+                        <a:rPr lang="en-US" b="1" i="0" baseline="0" dirty="0" smtClean="0">
+                          <a:solidFill>
+                            <a:schemeClr val="tx1"/>
+                          </a:solidFill>
+                        </a:rPr>
+                        <a:t> (0.005)</a:t>
+                      </a:r>
+                      <a:endParaRPr lang="en-US" b="1" i="0" dirty="0">
+                        <a:solidFill>
+                          <a:schemeClr val="tx1"/>
+                        </a:solidFill>
+                      </a:endParaRPr>
+                    </a:p>
+                  </a:txBody>
+                  <a:tcPr anchor="ctr"/>
+                </a:tc>
+              </a:tr>
+              <a:tr h="757237">
+                <a:tc>
+                  <a:txBody>
+                    <a:bodyPr/>
+                    <a:lstStyle/>
+                    <a:p>
+                      <a:pPr marL="0" marR="0" indent="0" algn="ctr" defTabSz="914400" rtl="0" eaLnBrk="1" fontAlgn="auto" latinLnBrk="0" hangingPunct="1">
+                        <a:lnSpc>
+                          <a:spcPct val="100000"/>
+                        </a:lnSpc>
+                        <a:spcBef>
+                          <a:spcPts val="0"/>
+                        </a:spcBef>
+                        <a:spcAft>
+                          <a:spcPts val="0"/>
+                        </a:spcAft>
+                        <a:buClrTx/>
+                        <a:buSzTx/>
+                        <a:buFontTx/>
+                        <a:buNone/>
+                        <a:tabLst/>
+                        <a:defRPr/>
+                      </a:pPr>
+                      <a:r>
+                        <a:rPr lang="en-US" b="1" i="0" dirty="0" err="1" smtClean="0">
+                          <a:solidFill>
+                            <a:schemeClr val="tx1"/>
+                          </a:solidFill>
+                        </a:rPr>
+                        <a:t>Tfidf</a:t>
+                      </a:r>
+                      <a:endParaRPr lang="en-US" b="1" i="0" dirty="0" smtClean="0">
+                        <a:solidFill>
+                          <a:schemeClr val="tx1"/>
+                        </a:solidFill>
+                      </a:endParaRPr>
+                    </a:p>
+                  </a:txBody>
+                  <a:tcPr anchor="ctr"/>
+                </a:tc>
+                <a:tc>
+                  <a:txBody>
+                    <a:bodyPr/>
+                    <a:lstStyle/>
+                    <a:p>
+                      <a:pPr algn="ctr"/>
+                      <a:r>
+                        <a:rPr lang="en-US" b="1" i="0" dirty="0" smtClean="0">
+                          <a:solidFill>
+                            <a:schemeClr val="tx1"/>
+                          </a:solidFill>
+                        </a:rPr>
+                        <a:t>Random Forest</a:t>
+                      </a:r>
+                      <a:endParaRPr lang="en-US" b="1" i="0" dirty="0">
+                        <a:solidFill>
+                          <a:schemeClr val="tx1"/>
+                        </a:solidFill>
+                      </a:endParaRPr>
+                    </a:p>
+                  </a:txBody>
+                  <a:tcPr anchor="ctr"/>
+                </a:tc>
+                <a:tc>
+                  <a:txBody>
+                    <a:bodyPr/>
+                    <a:lstStyle/>
+                    <a:p>
+                      <a:pPr algn="ctr"/>
+                      <a:r>
+                        <a:rPr lang="en-US" b="1" i="0" dirty="0" smtClean="0">
+                          <a:solidFill>
+                            <a:schemeClr val="tx1"/>
+                          </a:solidFill>
+                        </a:rPr>
+                        <a:t>0.990 (0.001)</a:t>
+                      </a:r>
+                      <a:endParaRPr lang="en-US" b="1" i="0" dirty="0">
+                        <a:solidFill>
+                          <a:schemeClr val="tx1"/>
+                        </a:solidFill>
+                      </a:endParaRPr>
+                    </a:p>
+                  </a:txBody>
+                  <a:tcPr anchor="ctr"/>
+                </a:tc>
+                <a:tc>
+                  <a:txBody>
+                    <a:bodyPr/>
+                    <a:lstStyle/>
+                    <a:p>
+                      <a:pPr algn="ctr"/>
+                      <a:r>
+                        <a:rPr lang="en-US" b="1" i="0" dirty="0" smtClean="0">
+                          <a:solidFill>
+                            <a:schemeClr val="tx1"/>
+                          </a:solidFill>
+                        </a:rPr>
+                        <a:t>0.698</a:t>
+                      </a:r>
+                      <a:r>
+                        <a:rPr lang="en-US" b="1" i="0" baseline="0" dirty="0" smtClean="0">
+                          <a:solidFill>
+                            <a:schemeClr val="tx1"/>
+                          </a:solidFill>
+                        </a:rPr>
+                        <a:t> (0.011)</a:t>
+                      </a:r>
+                      <a:endParaRPr lang="en-US" b="1" i="0" dirty="0">
+                        <a:solidFill>
+                          <a:schemeClr val="tx1"/>
+                        </a:solidFill>
+                      </a:endParaRPr>
+                    </a:p>
+                  </a:txBody>
+                  <a:tcPr anchor="ctr"/>
+                </a:tc>
+              </a:tr>
+            </a:tbl>
+          </a:graphicData>
+        </a:graphic>
+      </p:graphicFrame>
+    </p:spTree>
+    <p:extLst>
+      <p:ext uri="{BB962C8B-B14F-4D97-AF65-F5344CB8AC3E}">
+        <p14:creationId xmlns:p14="http://schemas.microsoft.com/office/powerpoint/2010/main" val="2187028078"/>
+      </p:ext>
+    </p:extLst>
+  </p:cSld>
+  <p:clrMapOvr>
+    <a:masterClrMapping/>
+  </p:clrMapOvr>
+</p:sld>
+</file>
+
+<file path=ppt/slides/slide7.xml><?xml version="1.0" encoding="utf-8"?>
+<p:sld xmlns:a="http://schemas.openxmlformats.org/drawingml/2006/main" xmlns:r="http://schemas.openxmlformats.org/officeDocument/2006/relationships" xmlns:p="http://schemas.openxmlformats.org/presentationml/2006/main">
+  <p:cSld>
+    <p:spTree>
+      <p:nvGrpSpPr>
+        <p:cNvPr id="1" name=""/>
+        <p:cNvGrpSpPr/>
+        <p:nvPr/>
+      </p:nvGrpSpPr>
+      <p:grpSpPr>
+        <a:xfrm>
+          <a:off x="0" y="0"/>
+          <a:ext cx="0" cy="0"/>
+          <a:chOff x="0" y="0"/>
+          <a:chExt cx="0" cy="0"/>
+        </a:xfrm>
+      </p:grpSpPr>
+      <p:sp>
+        <p:nvSpPr>
+          <p:cNvPr id="2" name="Title 1"/>
+          <p:cNvSpPr>
+            <a:spLocks noGrp="1"/>
+          </p:cNvSpPr>
+          <p:nvPr>
+            <p:ph type="title"/>
+          </p:nvPr>
+        </p:nvSpPr>
+        <p:spPr/>
+        <p:txBody>
+          <a:bodyPr/>
+          <a:lstStyle/>
+          <a:p>
+            <a:pPr algn="ctr"/>
+            <a:r>
+              <a:rPr lang="en-US" dirty="0" smtClean="0"/>
+              <a:t>Test Set Results</a:t>
+            </a:r>
+            <a:endParaRPr lang="en-US" dirty="0"/>
+          </a:p>
+        </p:txBody>
+      </p:sp>
+      <p:graphicFrame>
+        <p:nvGraphicFramePr>
           <p:cNvPr id="4" name="Content Placeholder 3"/>
-          <p:cNvPicPr>
-            <a:picLocks noGrp="1" noChangeAspect="1"/>
-          </p:cNvPicPr>
+          <p:cNvGraphicFramePr>
+            <a:graphicFrameLocks noGrp="1"/>
+          </p:cNvGraphicFramePr>
           <p:nvPr>
             <p:ph idx="1"/>
-          </p:nvPr>
-        </p:nvPicPr>
-        <p:blipFill>
-          <a:blip r:embed="rId2">
-            <a:extLst>
-              <a:ext uri="{28A0092B-C50C-407E-A947-70E740481C1C}">
-                <a14:useLocalDpi xmlns:a14="http://schemas.microsoft.com/office/drawing/2010/main" val="0"/>
-              </a:ext>
-            </a:extLst>
-          </a:blip>
-          <a:stretch>
-            <a:fillRect/>
-          </a:stretch>
-        </p:blipFill>
-        <p:spPr>
-          <a:xfrm>
-            <a:off x="304800" y="2743200"/>
-            <a:ext cx="8469351" cy="3733800"/>
-          </a:xfrm>
-        </p:spPr>
-      </p:pic>
+            <p:extLst>
+              <p:ext uri="{D42A27DB-BD31-4B8C-83A1-F6EECF244321}">
+                <p14:modId xmlns:p14="http://schemas.microsoft.com/office/powerpoint/2010/main" val="3350380716"/>
+              </p:ext>
+            </p:extLst>
+          </p:nvPr>
+        </p:nvGraphicFramePr>
+        <p:xfrm>
+          <a:off x="685800" y="1371600"/>
+          <a:ext cx="7521575" cy="741680"/>
+        </p:xfrm>
+        <a:graphic>
+          <a:graphicData uri="http://schemas.openxmlformats.org/drawingml/2006/table">
+            <a:tbl>
+              <a:tblPr firstRow="1" bandRow="1">
+                <a:tableStyleId>{21E4AEA4-8DFA-4A89-87EB-49C32662AFE0}</a:tableStyleId>
+              </a:tblPr>
+              <a:tblGrid>
+                <a:gridCol w="1504315"/>
+                <a:gridCol w="1504315"/>
+                <a:gridCol w="1504315"/>
+                <a:gridCol w="1504315"/>
+                <a:gridCol w="1504315"/>
+              </a:tblGrid>
+              <a:tr h="370840">
+                <a:tc>
+                  <a:txBody>
+                    <a:bodyPr/>
+                    <a:lstStyle/>
+                    <a:p>
+                      <a:pPr algn="ctr"/>
+                      <a:r>
+                        <a:rPr lang="en-US" dirty="0" err="1" smtClean="0"/>
+                        <a:t>Vectorizer</a:t>
+                      </a:r>
+                      <a:endParaRPr lang="en-US" dirty="0"/>
+                    </a:p>
+                  </a:txBody>
+                  <a:tcPr anchor="ctr"/>
+                </a:tc>
+                <a:tc>
+                  <a:txBody>
+                    <a:bodyPr/>
+                    <a:lstStyle/>
+                    <a:p>
+                      <a:pPr algn="ctr"/>
+                      <a:r>
+                        <a:rPr lang="en-US" dirty="0" smtClean="0"/>
+                        <a:t>Classifier</a:t>
+                      </a:r>
+                      <a:endParaRPr lang="en-US" dirty="0"/>
+                    </a:p>
+                  </a:txBody>
+                  <a:tcPr anchor="ctr"/>
+                </a:tc>
+                <a:tc>
+                  <a:txBody>
+                    <a:bodyPr/>
+                    <a:lstStyle/>
+                    <a:p>
+                      <a:pPr algn="ctr"/>
+                      <a:r>
+                        <a:rPr lang="en-US" dirty="0" smtClean="0"/>
+                        <a:t>Precision</a:t>
+                      </a:r>
+                      <a:endParaRPr lang="en-US" dirty="0"/>
+                    </a:p>
+                  </a:txBody>
+                  <a:tcPr anchor="ctr"/>
+                </a:tc>
+                <a:tc>
+                  <a:txBody>
+                    <a:bodyPr/>
+                    <a:lstStyle/>
+                    <a:p>
+                      <a:pPr algn="ctr"/>
+                      <a:r>
+                        <a:rPr lang="en-US" dirty="0" smtClean="0"/>
+                        <a:t>Recall</a:t>
+                      </a:r>
+                      <a:endParaRPr lang="en-US" dirty="0"/>
+                    </a:p>
+                  </a:txBody>
+                  <a:tcPr anchor="ctr"/>
+                </a:tc>
+                <a:tc>
+                  <a:txBody>
+                    <a:bodyPr/>
+                    <a:lstStyle/>
+                    <a:p>
+                      <a:pPr algn="ctr"/>
+                      <a:r>
+                        <a:rPr lang="en-US" dirty="0" smtClean="0"/>
+                        <a:t>F1</a:t>
+                      </a:r>
+                      <a:endParaRPr lang="en-US" dirty="0"/>
+                    </a:p>
+                  </a:txBody>
+                  <a:tcPr anchor="ctr"/>
+                </a:tc>
+              </a:tr>
+              <a:tr h="370840">
+                <a:tc>
+                  <a:txBody>
+                    <a:bodyPr/>
+                    <a:lstStyle/>
+                    <a:p>
+                      <a:pPr algn="ctr"/>
+                      <a:r>
+                        <a:rPr lang="en-US" dirty="0" smtClean="0"/>
+                        <a:t>Bag of Words</a:t>
+                      </a:r>
+                      <a:endParaRPr lang="en-US" dirty="0"/>
+                    </a:p>
+                  </a:txBody>
+                  <a:tcPr anchor="ctr"/>
+                </a:tc>
+                <a:tc>
+                  <a:txBody>
+                    <a:bodyPr/>
+                    <a:lstStyle/>
+                    <a:p>
+                      <a:pPr algn="ctr"/>
+                      <a:r>
+                        <a:rPr lang="en-US" dirty="0" smtClean="0"/>
+                        <a:t>SVM</a:t>
+                      </a:r>
+                      <a:endParaRPr lang="en-US" dirty="0"/>
+                    </a:p>
+                  </a:txBody>
+                  <a:tcPr anchor="ctr"/>
+                </a:tc>
+                <a:tc>
+                  <a:txBody>
+                    <a:bodyPr/>
+                    <a:lstStyle/>
+                    <a:p>
+                      <a:pPr algn="ctr"/>
+                      <a:r>
+                        <a:rPr lang="en-US" dirty="0" smtClean="0"/>
+                        <a:t>0.731</a:t>
+                      </a:r>
+                      <a:endParaRPr lang="en-US" dirty="0"/>
+                    </a:p>
+                  </a:txBody>
+                  <a:tcPr anchor="ctr"/>
+                </a:tc>
+                <a:tc>
+                  <a:txBody>
+                    <a:bodyPr/>
+                    <a:lstStyle/>
+                    <a:p>
+                      <a:pPr algn="ctr"/>
+                      <a:r>
+                        <a:rPr lang="en-US" dirty="0" smtClean="0"/>
+                        <a:t>0.699</a:t>
+                      </a:r>
+                      <a:endParaRPr lang="en-US" dirty="0"/>
+                    </a:p>
+                  </a:txBody>
+                  <a:tcPr anchor="ctr"/>
+                </a:tc>
+                <a:tc>
+                  <a:txBody>
+                    <a:bodyPr/>
+                    <a:lstStyle/>
+                    <a:p>
+                      <a:pPr algn="ctr"/>
+                      <a:r>
+                        <a:rPr lang="en-US" dirty="0" smtClean="0"/>
+                        <a:t>0.713</a:t>
+                      </a:r>
+                      <a:endParaRPr lang="en-US" dirty="0"/>
+                    </a:p>
+                  </a:txBody>
+                  <a:tcPr anchor="ctr"/>
+                </a:tc>
+              </a:tr>
+            </a:tbl>
+          </a:graphicData>
+        </a:graphic>
+      </p:graphicFrame>
       <p:sp>
         <p:nvSpPr>
           <p:cNvPr id="5" name="TextBox 4"/>
@@ -5668,8 +7232,8 @@
         </p:nvSpPr>
         <p:spPr>
           <a:xfrm>
-            <a:off x="457200" y="990600"/>
-            <a:ext cx="8229600" cy="1815882"/>
+            <a:off x="762000" y="2438400"/>
+            <a:ext cx="7543800" cy="2554545"/>
           </a:xfrm>
           <a:prstGeom prst="rect">
             <a:avLst/>
@@ -5687,8 +7251,8 @@
               <a:buChar char="•"/>
             </a:pPr>
             <a:r>
-              <a:rPr lang="en-US" sz="2800" dirty="0" smtClean="0"/>
-              <a:t>F1 score for Train-score and Validation Score from Cross Validation of Train Set</a:t>
+              <a:rPr lang="en-US" sz="3200" b="1" dirty="0" smtClean="0"/>
+              <a:t>Test Set F1 score (0.713) is higher than Train (0.707) and Validation (0.707) F1 scores</a:t>
             </a:r>
           </a:p>
           <a:p>
@@ -5697,17 +7261,139 @@
               <a:buChar char="•"/>
             </a:pPr>
             <a:r>
-              <a:rPr lang="en-US" sz="2800" dirty="0" smtClean="0"/>
-              <a:t>Metric Scores for Test Set with Best Estimator Found</a:t>
-            </a:r>
-            <a:endParaRPr lang="en-US" sz="2800" dirty="0"/>
+              <a:rPr lang="en-US" sz="3200" b="1" dirty="0" smtClean="0"/>
+              <a:t>Precision and Recall given to show model performance</a:t>
+            </a:r>
+            <a:endParaRPr lang="en-US" sz="3200" b="1" dirty="0"/>
           </a:p>
         </p:txBody>
       </p:sp>
     </p:spTree>
     <p:extLst>
       <p:ext uri="{BB962C8B-B14F-4D97-AF65-F5344CB8AC3E}">
-        <p14:creationId xmlns:p14="http://schemas.microsoft.com/office/powerpoint/2010/main" val="4160242673"/>
+        <p14:creationId xmlns:p14="http://schemas.microsoft.com/office/powerpoint/2010/main" val="2936807794"/>
+      </p:ext>
+    </p:extLst>
+  </p:cSld>
+  <p:clrMapOvr>
+    <a:masterClrMapping/>
+  </p:clrMapOvr>
+</p:sld>
+</file>
+
+<file path=ppt/slides/slide8.xml><?xml version="1.0" encoding="utf-8"?>
+<p:sld xmlns:a="http://schemas.openxmlformats.org/drawingml/2006/main" xmlns:r="http://schemas.openxmlformats.org/officeDocument/2006/relationships" xmlns:p="http://schemas.openxmlformats.org/presentationml/2006/main">
+  <p:cSld>
+    <p:spTree>
+      <p:nvGrpSpPr>
+        <p:cNvPr id="1" name=""/>
+        <p:cNvGrpSpPr/>
+        <p:nvPr/>
+      </p:nvGrpSpPr>
+      <p:grpSpPr>
+        <a:xfrm>
+          <a:off x="0" y="0"/>
+          <a:ext cx="0" cy="0"/>
+          <a:chOff x="0" y="0"/>
+          <a:chExt cx="0" cy="0"/>
+        </a:xfrm>
+      </p:grpSpPr>
+      <p:sp>
+        <p:nvSpPr>
+          <p:cNvPr id="2" name="Title 1"/>
+          <p:cNvSpPr>
+            <a:spLocks noGrp="1"/>
+          </p:cNvSpPr>
+          <p:nvPr>
+            <p:ph type="title"/>
+          </p:nvPr>
+        </p:nvSpPr>
+        <p:spPr/>
+        <p:txBody>
+          <a:bodyPr/>
+          <a:lstStyle/>
+          <a:p>
+            <a:pPr algn="ctr"/>
+            <a:r>
+              <a:rPr lang="en-US" dirty="0" smtClean="0"/>
+              <a:t>Further Inquiries</a:t>
+            </a:r>
+            <a:endParaRPr lang="en-US" dirty="0"/>
+          </a:p>
+        </p:txBody>
+      </p:sp>
+      <p:sp>
+        <p:nvSpPr>
+          <p:cNvPr id="3" name="Content Placeholder 2"/>
+          <p:cNvSpPr>
+            <a:spLocks noGrp="1"/>
+          </p:cNvSpPr>
+          <p:nvPr>
+            <p:ph idx="1"/>
+          </p:nvPr>
+        </p:nvSpPr>
+        <p:spPr/>
+        <p:txBody>
+          <a:bodyPr>
+            <a:normAutofit/>
+          </a:bodyPr>
+          <a:lstStyle/>
+          <a:p>
+            <a:pPr>
+              <a:buAutoNum type="arabicPeriod"/>
+            </a:pPr>
+            <a:r>
+              <a:rPr lang="en-US" sz="3200" dirty="0" smtClean="0"/>
+              <a:t>  Explore URLs and usernames</a:t>
+            </a:r>
+          </a:p>
+          <a:p>
+            <a:pPr>
+              <a:buAutoNum type="arabicPeriod"/>
+            </a:pPr>
+            <a:r>
+              <a:rPr lang="en-US" sz="3200" dirty="0" smtClean="0"/>
+              <a:t>  Validate more hyper parameters for Bag of Words and </a:t>
+            </a:r>
+            <a:r>
+              <a:rPr lang="en-US" sz="3200" dirty="0" err="1" smtClean="0"/>
+              <a:t>Tfidf</a:t>
+            </a:r>
+            <a:endParaRPr lang="en-US" sz="3200" dirty="0" smtClean="0"/>
+          </a:p>
+          <a:p>
+            <a:pPr>
+              <a:buAutoNum type="arabicPeriod"/>
+            </a:pPr>
+            <a:r>
+              <a:rPr lang="en-US" sz="3200" dirty="0" smtClean="0"/>
+              <a:t>  Look into oversampling and </a:t>
+            </a:r>
+            <a:r>
+              <a:rPr lang="en-US" sz="3200" dirty="0" err="1" smtClean="0"/>
+              <a:t>downsampling</a:t>
+            </a:r>
+            <a:r>
+              <a:rPr lang="en-US" sz="3200" dirty="0" smtClean="0"/>
+              <a:t> data</a:t>
+            </a:r>
+          </a:p>
+          <a:p>
+            <a:pPr>
+              <a:buAutoNum type="arabicPeriod"/>
+            </a:pPr>
+            <a:r>
+              <a:rPr lang="en-US" sz="3200" dirty="0" smtClean="0"/>
+              <a:t>  Build model with non-text features</a:t>
+            </a:r>
+            <a:endParaRPr lang="en-US" sz="3200" dirty="0"/>
+          </a:p>
+        </p:txBody>
+      </p:sp>
+    </p:spTree>
+    <p:extLst>
+      <p:ext uri="{BB962C8B-B14F-4D97-AF65-F5344CB8AC3E}">
+        <p14:creationId xmlns:p14="http://schemas.microsoft.com/office/powerpoint/2010/main" val="1902242559"/>
       </p:ext>
     </p:extLst>
   </p:cSld>
